--- a/smileGateUrlProj.pptx
+++ b/smileGateUrlProj.pptx
@@ -117,6 +117,11 @@
       </a:defRPr>
     </a:lvl9pPr>
   </p:defaultTextStyle>
+  <p:extLst>
+    <p:ext uri="{EFAFB233-063F-42B5-8137-9DF3F51BA10A}">
+      <p15:sldGuideLst xmlns:p15="http://schemas.microsoft.com/office/powerpoint/2012/main"/>
+    </p:ext>
+  </p:extLst>
 </p:presentation>
 </file>
 
@@ -5339,8 +5344,8 @@
         </p:nvSpPr>
         <p:spPr>
           <a:xfrm>
-            <a:off x="1548570" y="4751903"/>
-            <a:ext cx="845103" cy="369332"/>
+            <a:off x="1548570" y="4382571"/>
+            <a:ext cx="3727302" cy="369332"/>
           </a:xfrm>
           <a:prstGeom prst="rect">
             <a:avLst/>
@@ -5355,7 +5360,7 @@
           <a:p>
             <a:r>
               <a:rPr lang="en-US" altLang="ko-KR" dirty="0"/>
-              <a:t>1ilsang</a:t>
+              <a:t>https://github.com/1ilsang/smileGate</a:t>
             </a:r>
             <a:endParaRPr lang="ko-KR" altLang="en-US" dirty="0"/>
           </a:p>
